--- a/doc/metrics-mobile proposal.pptx
+++ b/doc/metrics-mobile proposal.pptx
@@ -2,11 +2,21 @@
 <file path=ppt/presentation.xml><?xml version="1.0" encoding="utf-8"?>
 <p:presentation xmlns:a="http://schemas.openxmlformats.org/drawingml/2006/main" xmlns:r="http://schemas.openxmlformats.org/officeDocument/2006/relationships" xmlns:p="http://schemas.openxmlformats.org/presentationml/2006/main" saveSubsetFonts="1">
   <p:sldMasterIdLst>
-    <p:sldMasterId id="2147483648" r:id="rId1"/>
+    <p:sldMasterId id="2147483684" r:id="rId1"/>
   </p:sldMasterIdLst>
   <p:sldIdLst>
     <p:sldId id="256" r:id="rId2"/>
     <p:sldId id="257" r:id="rId3"/>
+    <p:sldId id="258" r:id="rId4"/>
+    <p:sldId id="259" r:id="rId5"/>
+    <p:sldId id="260" r:id="rId6"/>
+    <p:sldId id="261" r:id="rId7"/>
+    <p:sldId id="262" r:id="rId8"/>
+    <p:sldId id="263" r:id="rId9"/>
+    <p:sldId id="264" r:id="rId10"/>
+    <p:sldId id="265" r:id="rId11"/>
+    <p:sldId id="266" r:id="rId12"/>
+    <p:sldId id="267" r:id="rId13"/>
   </p:sldIdLst>
   <p:sldSz cx="9144000" cy="6858000" type="screen4x3"/>
   <p:notesSz cx="6858000" cy="9144000"/>
@@ -290,7 +300,7 @@
             <a:fld id="{1D8BD707-D9CF-40AE-B4C6-C98DA3205C09}" type="datetimeFigureOut">
               <a:rPr lang="en-US" smtClean="0"/>
               <a:pPr/>
-              <a:t>12/13/2012</a:t>
+              <a:t>12/15/2012</a:t>
             </a:fld>
             <a:endParaRPr lang="en-US"/>
           </a:p>
@@ -457,7 +467,7 @@
             <a:fld id="{1D8BD707-D9CF-40AE-B4C6-C98DA3205C09}" type="datetimeFigureOut">
               <a:rPr lang="en-US" smtClean="0"/>
               <a:pPr/>
-              <a:t>12/13/2012</a:t>
+              <a:t>12/15/2012</a:t>
             </a:fld>
             <a:endParaRPr lang="en-US"/>
           </a:p>
@@ -634,7 +644,7 @@
             <a:fld id="{1D8BD707-D9CF-40AE-B4C6-C98DA3205C09}" type="datetimeFigureOut">
               <a:rPr lang="en-US" smtClean="0"/>
               <a:pPr/>
-              <a:t>12/13/2012</a:t>
+              <a:t>12/15/2012</a:t>
             </a:fld>
             <a:endParaRPr lang="en-US"/>
           </a:p>
@@ -801,7 +811,7 @@
             <a:fld id="{1D8BD707-D9CF-40AE-B4C6-C98DA3205C09}" type="datetimeFigureOut">
               <a:rPr lang="en-US" smtClean="0"/>
               <a:pPr/>
-              <a:t>12/13/2012</a:t>
+              <a:t>12/15/2012</a:t>
             </a:fld>
             <a:endParaRPr lang="en-US"/>
           </a:p>
@@ -1044,7 +1054,7 @@
             <a:fld id="{1D8BD707-D9CF-40AE-B4C6-C98DA3205C09}" type="datetimeFigureOut">
               <a:rPr lang="en-US" smtClean="0"/>
               <a:pPr/>
-              <a:t>12/13/2012</a:t>
+              <a:t>12/15/2012</a:t>
             </a:fld>
             <a:endParaRPr lang="en-US"/>
           </a:p>
@@ -1329,7 +1339,7 @@
             <a:fld id="{1D8BD707-D9CF-40AE-B4C6-C98DA3205C09}" type="datetimeFigureOut">
               <a:rPr lang="en-US" smtClean="0"/>
               <a:pPr/>
-              <a:t>12/13/2012</a:t>
+              <a:t>12/15/2012</a:t>
             </a:fld>
             <a:endParaRPr lang="en-US"/>
           </a:p>
@@ -1748,7 +1758,7 @@
             <a:fld id="{1D8BD707-D9CF-40AE-B4C6-C98DA3205C09}" type="datetimeFigureOut">
               <a:rPr lang="en-US" smtClean="0"/>
               <a:pPr/>
-              <a:t>12/13/2012</a:t>
+              <a:t>12/15/2012</a:t>
             </a:fld>
             <a:endParaRPr lang="en-US"/>
           </a:p>
@@ -1863,7 +1873,7 @@
             <a:fld id="{1D8BD707-D9CF-40AE-B4C6-C98DA3205C09}" type="datetimeFigureOut">
               <a:rPr lang="en-US" smtClean="0"/>
               <a:pPr/>
-              <a:t>12/13/2012</a:t>
+              <a:t>12/15/2012</a:t>
             </a:fld>
             <a:endParaRPr lang="en-US"/>
           </a:p>
@@ -1955,7 +1965,7 @@
             <a:fld id="{1D8BD707-D9CF-40AE-B4C6-C98DA3205C09}" type="datetimeFigureOut">
               <a:rPr lang="en-US" smtClean="0"/>
               <a:pPr/>
-              <a:t>12/13/2012</a:t>
+              <a:t>12/15/2012</a:t>
             </a:fld>
             <a:endParaRPr lang="en-US"/>
           </a:p>
@@ -2229,7 +2239,7 @@
             <a:fld id="{1D8BD707-D9CF-40AE-B4C6-C98DA3205C09}" type="datetimeFigureOut">
               <a:rPr lang="en-US" smtClean="0"/>
               <a:pPr/>
-              <a:t>12/13/2012</a:t>
+              <a:t>12/15/2012</a:t>
             </a:fld>
             <a:endParaRPr lang="en-US"/>
           </a:p>
@@ -2479,7 +2489,7 @@
             <a:fld id="{1D8BD707-D9CF-40AE-B4C6-C98DA3205C09}" type="datetimeFigureOut">
               <a:rPr lang="en-US" smtClean="0"/>
               <a:pPr/>
-              <a:t>12/13/2012</a:t>
+              <a:t>12/15/2012</a:t>
             </a:fld>
             <a:endParaRPr lang="en-US"/>
           </a:p>
@@ -2689,7 +2699,7 @@
             <a:fld id="{1D8BD707-D9CF-40AE-B4C6-C98DA3205C09}" type="datetimeFigureOut">
               <a:rPr lang="en-US" smtClean="0"/>
               <a:pPr/>
-              <a:t>12/13/2012</a:t>
+              <a:t>12/15/2012</a:t>
             </a:fld>
             <a:endParaRPr lang="en-US"/>
           </a:p>
@@ -2778,17 +2788,17 @@
   </p:cSld>
   <p:clrMap bg1="lt1" tx1="dk1" bg2="lt2" tx2="dk2" accent1="accent1" accent2="accent2" accent3="accent3" accent4="accent4" accent5="accent5" accent6="accent6" hlink="hlink" folHlink="folHlink"/>
   <p:sldLayoutIdLst>
-    <p:sldLayoutId id="2147483649" r:id="rId1"/>
-    <p:sldLayoutId id="2147483650" r:id="rId2"/>
-    <p:sldLayoutId id="2147483651" r:id="rId3"/>
-    <p:sldLayoutId id="2147483652" r:id="rId4"/>
-    <p:sldLayoutId id="2147483653" r:id="rId5"/>
-    <p:sldLayoutId id="2147483654" r:id="rId6"/>
-    <p:sldLayoutId id="2147483655" r:id="rId7"/>
-    <p:sldLayoutId id="2147483656" r:id="rId8"/>
-    <p:sldLayoutId id="2147483657" r:id="rId9"/>
-    <p:sldLayoutId id="2147483658" r:id="rId10"/>
-    <p:sldLayoutId id="2147483659" r:id="rId11"/>
+    <p:sldLayoutId id="2147483685" r:id="rId1"/>
+    <p:sldLayoutId id="2147483686" r:id="rId2"/>
+    <p:sldLayoutId id="2147483687" r:id="rId3"/>
+    <p:sldLayoutId id="2147483688" r:id="rId4"/>
+    <p:sldLayoutId id="2147483689" r:id="rId5"/>
+    <p:sldLayoutId id="2147483690" r:id="rId6"/>
+    <p:sldLayoutId id="2147483691" r:id="rId7"/>
+    <p:sldLayoutId id="2147483692" r:id="rId8"/>
+    <p:sldLayoutId id="2147483693" r:id="rId9"/>
+    <p:sldLayoutId id="2147483694" r:id="rId10"/>
+    <p:sldLayoutId id="2147483695" r:id="rId11"/>
   </p:sldLayoutIdLst>
   <p:txStyles>
     <p:titleStyle>
@@ -3095,13 +3105,303 @@
         </p:nvSpPr>
         <p:spPr/>
         <p:txBody>
-          <a:bodyPr/>
+          <a:bodyPr>
+            <a:normAutofit/>
+          </a:bodyPr>
           <a:lstStyle/>
           <a:p>
             <a:r>
               <a:rPr lang="en-US" dirty="0" smtClean="0"/>
               <a:t>gives you unparalleled insight into what your code does in mobile</a:t>
             </a:r>
+            <a:endParaRPr lang="en-US" dirty="0"/>
+          </a:p>
+        </p:txBody>
+      </p:sp>
+    </p:spTree>
+  </p:cSld>
+  <p:clrMapOvr>
+    <a:masterClrMapping/>
+  </p:clrMapOvr>
+</p:sld>
+</file>
+
+<file path=ppt/slides/slide10.xml><?xml version="1.0" encoding="utf-8"?>
+<p:sld xmlns:a="http://schemas.openxmlformats.org/drawingml/2006/main" xmlns:r="http://schemas.openxmlformats.org/officeDocument/2006/relationships" xmlns:p="http://schemas.openxmlformats.org/presentationml/2006/main">
+  <p:cSld>
+    <p:spTree>
+      <p:nvGrpSpPr>
+        <p:cNvPr id="1" name=""/>
+        <p:cNvGrpSpPr/>
+        <p:nvPr/>
+      </p:nvGrpSpPr>
+      <p:grpSpPr>
+        <a:xfrm>
+          <a:off x="0" y="0"/>
+          <a:ext cx="0" cy="0"/>
+          <a:chOff x="0" y="0"/>
+          <a:chExt cx="0" cy="0"/>
+        </a:xfrm>
+      </p:grpSpPr>
+      <p:sp>
+        <p:nvSpPr>
+          <p:cNvPr id="2" name="Title 1"/>
+          <p:cNvSpPr>
+            <a:spLocks noGrp="1"/>
+          </p:cNvSpPr>
+          <p:nvPr>
+            <p:ph type="title"/>
+          </p:nvPr>
+        </p:nvSpPr>
+        <p:spPr/>
+        <p:txBody>
+          <a:bodyPr/>
+          <a:lstStyle/>
+          <a:p>
+            <a:pPr algn="l"/>
+            <a:r>
+              <a:rPr lang="en-US" dirty="0" smtClean="0"/>
+              <a:t>1.2.0</a:t>
+            </a:r>
+            <a:endParaRPr lang="en-US" dirty="0"/>
+          </a:p>
+        </p:txBody>
+      </p:sp>
+      <p:sp>
+        <p:nvSpPr>
+          <p:cNvPr id="3" name="Content Placeholder 2"/>
+          <p:cNvSpPr>
+            <a:spLocks noGrp="1"/>
+          </p:cNvSpPr>
+          <p:nvPr>
+            <p:ph idx="1"/>
+          </p:nvPr>
+        </p:nvSpPr>
+        <p:spPr/>
+        <p:txBody>
+          <a:bodyPr>
+            <a:normAutofit/>
+          </a:bodyPr>
+          <a:lstStyle/>
+          <a:p>
+            <a:r>
+              <a:rPr lang="en-US" dirty="0" smtClean="0"/>
+              <a:t>Support</a:t>
+            </a:r>
+          </a:p>
+          <a:p>
+            <a:pPr lvl="1"/>
+            <a:r>
+              <a:rPr lang="en-US" dirty="0" smtClean="0"/>
+              <a:t>CloudFoundry, App Engine</a:t>
+            </a:r>
+          </a:p>
+          <a:p>
+            <a:r>
+              <a:rPr lang="en-US" dirty="0" smtClean="0"/>
+              <a:t>Support</a:t>
+            </a:r>
+          </a:p>
+          <a:p>
+            <a:pPr lvl="1"/>
+            <a:r>
+              <a:rPr lang="en-US" dirty="0" smtClean="0"/>
+              <a:t>IOS</a:t>
+            </a:r>
+          </a:p>
+          <a:p>
+            <a:r>
+              <a:rPr lang="en-US" dirty="0" smtClean="0"/>
+              <a:t>GUI</a:t>
+            </a:r>
+          </a:p>
+          <a:p>
+            <a:r>
+              <a:rPr lang="en-US" dirty="0" smtClean="0"/>
+              <a:t>Done for All Use Case</a:t>
+            </a:r>
+          </a:p>
+          <a:p>
+            <a:r>
+              <a:rPr lang="en-US" dirty="0" smtClean="0"/>
+              <a:t>Test</a:t>
+            </a:r>
+          </a:p>
+          <a:p>
+            <a:endParaRPr lang="en-US" dirty="0" smtClean="0"/>
+          </a:p>
+          <a:p>
+            <a:endParaRPr lang="en-US" dirty="0"/>
+          </a:p>
+        </p:txBody>
+      </p:sp>
+    </p:spTree>
+  </p:cSld>
+  <p:clrMapOvr>
+    <a:masterClrMapping/>
+  </p:clrMapOvr>
+</p:sld>
+</file>
+
+<file path=ppt/slides/slide11.xml><?xml version="1.0" encoding="utf-8"?>
+<p:sld xmlns:a="http://schemas.openxmlformats.org/drawingml/2006/main" xmlns:r="http://schemas.openxmlformats.org/officeDocument/2006/relationships" xmlns:p="http://schemas.openxmlformats.org/presentationml/2006/main">
+  <p:cSld>
+    <p:spTree>
+      <p:nvGrpSpPr>
+        <p:cNvPr id="1" name=""/>
+        <p:cNvGrpSpPr/>
+        <p:nvPr/>
+      </p:nvGrpSpPr>
+      <p:grpSpPr>
+        <a:xfrm>
+          <a:off x="0" y="0"/>
+          <a:ext cx="0" cy="0"/>
+          <a:chOff x="0" y="0"/>
+          <a:chExt cx="0" cy="0"/>
+        </a:xfrm>
+      </p:grpSpPr>
+      <p:sp>
+        <p:nvSpPr>
+          <p:cNvPr id="2" name="Title 1"/>
+          <p:cNvSpPr>
+            <a:spLocks noGrp="1"/>
+          </p:cNvSpPr>
+          <p:nvPr>
+            <p:ph type="title"/>
+          </p:nvPr>
+        </p:nvSpPr>
+        <p:spPr/>
+        <p:txBody>
+          <a:bodyPr/>
+          <a:lstStyle/>
+          <a:p>
+            <a:pPr algn="l"/>
+            <a:r>
+              <a:rPr lang="en-US" dirty="0" smtClean="0"/>
+              <a:t>2.0.0</a:t>
+            </a:r>
+            <a:endParaRPr lang="en-US" dirty="0"/>
+          </a:p>
+        </p:txBody>
+      </p:sp>
+      <p:sp>
+        <p:nvSpPr>
+          <p:cNvPr id="3" name="Content Placeholder 2"/>
+          <p:cNvSpPr>
+            <a:spLocks noGrp="1"/>
+          </p:cNvSpPr>
+          <p:nvPr>
+            <p:ph idx="1"/>
+          </p:nvPr>
+        </p:nvSpPr>
+        <p:spPr/>
+        <p:txBody>
+          <a:bodyPr>
+            <a:normAutofit/>
+          </a:bodyPr>
+          <a:lstStyle/>
+          <a:p>
+            <a:r>
+              <a:rPr lang="en-US" dirty="0" smtClean="0"/>
+              <a:t>Web Site</a:t>
+            </a:r>
+          </a:p>
+          <a:p>
+            <a:r>
+              <a:rPr lang="en-US" dirty="0" smtClean="0"/>
+              <a:t>Change core design if necessary</a:t>
+            </a:r>
+          </a:p>
+          <a:p>
+            <a:r>
+              <a:rPr lang="en-US" dirty="0" smtClean="0"/>
+              <a:t>Prepare for publish</a:t>
+            </a:r>
+          </a:p>
+          <a:p>
+            <a:endParaRPr lang="en-US" dirty="0" smtClean="0"/>
+          </a:p>
+          <a:p>
+            <a:endParaRPr lang="en-US" dirty="0"/>
+          </a:p>
+        </p:txBody>
+      </p:sp>
+    </p:spTree>
+  </p:cSld>
+  <p:clrMapOvr>
+    <a:masterClrMapping/>
+  </p:clrMapOvr>
+</p:sld>
+</file>
+
+<file path=ppt/slides/slide12.xml><?xml version="1.0" encoding="utf-8"?>
+<p:sld xmlns:a="http://schemas.openxmlformats.org/drawingml/2006/main" xmlns:r="http://schemas.openxmlformats.org/officeDocument/2006/relationships" xmlns:p="http://schemas.openxmlformats.org/presentationml/2006/main">
+  <p:cSld>
+    <p:spTree>
+      <p:nvGrpSpPr>
+        <p:cNvPr id="1" name=""/>
+        <p:cNvGrpSpPr/>
+        <p:nvPr/>
+      </p:nvGrpSpPr>
+      <p:grpSpPr>
+        <a:xfrm>
+          <a:off x="0" y="0"/>
+          <a:ext cx="0" cy="0"/>
+          <a:chOff x="0" y="0"/>
+          <a:chExt cx="0" cy="0"/>
+        </a:xfrm>
+      </p:grpSpPr>
+      <p:sp>
+        <p:nvSpPr>
+          <p:cNvPr id="2" name="Title 1"/>
+          <p:cNvSpPr>
+            <a:spLocks noGrp="1"/>
+          </p:cNvSpPr>
+          <p:nvPr>
+            <p:ph type="title"/>
+          </p:nvPr>
+        </p:nvSpPr>
+        <p:spPr/>
+        <p:txBody>
+          <a:bodyPr/>
+          <a:lstStyle/>
+          <a:p>
+            <a:pPr algn="l"/>
+            <a:r>
+              <a:rPr lang="en-US" dirty="0" smtClean="0"/>
+              <a:t>2.2.0</a:t>
+            </a:r>
+            <a:endParaRPr lang="en-US" dirty="0"/>
+          </a:p>
+        </p:txBody>
+      </p:sp>
+      <p:sp>
+        <p:nvSpPr>
+          <p:cNvPr id="3" name="Content Placeholder 2"/>
+          <p:cNvSpPr>
+            <a:spLocks noGrp="1"/>
+          </p:cNvSpPr>
+          <p:nvPr>
+            <p:ph idx="1"/>
+          </p:nvPr>
+        </p:nvSpPr>
+        <p:spPr/>
+        <p:txBody>
+          <a:bodyPr>
+            <a:normAutofit/>
+          </a:bodyPr>
+          <a:lstStyle/>
+          <a:p>
+            <a:r>
+              <a:rPr lang="en-US" smtClean="0"/>
+              <a:t>Publish</a:t>
+            </a:r>
+            <a:endParaRPr lang="en-US" dirty="0" smtClean="0"/>
+          </a:p>
+          <a:p>
+            <a:endParaRPr lang="en-US" dirty="0" smtClean="0"/>
+          </a:p>
+          <a:p>
             <a:endParaRPr lang="en-US" dirty="0"/>
           </a:p>
         </p:txBody>
@@ -3379,11 +3679,7 @@
           <a:p>
             <a:r>
               <a:rPr lang="en-US" b="1" dirty="0" smtClean="0"/>
-              <a:t>Collect </a:t>
-            </a:r>
-            <a:r>
-              <a:rPr lang="en-US" b="1" dirty="0" smtClean="0"/>
-              <a:t>Data</a:t>
+              <a:t>Collect Data</a:t>
             </a:r>
             <a:endParaRPr lang="en-US" dirty="0" smtClean="0"/>
           </a:p>
@@ -3394,11 +3690,7 @@
             </a:pPr>
             <a:r>
               <a:rPr lang="en-US" dirty="0" smtClean="0"/>
-              <a:t>User </a:t>
-            </a:r>
-            <a:r>
-              <a:rPr lang="en-US" dirty="0" smtClean="0"/>
-              <a:t>Action Info</a:t>
+              <a:t>User Action Info</a:t>
             </a:r>
           </a:p>
           <a:p>
@@ -3410,7 +3702,6 @@
               <a:rPr lang="en-US" dirty="0" smtClean="0"/>
               <a:t>App Status</a:t>
             </a:r>
-            <a:endParaRPr lang="en-US" dirty="0" smtClean="0"/>
           </a:p>
           <a:p>
             <a:pPr>
@@ -3425,11 +3716,7 @@
           <a:p>
             <a:r>
               <a:rPr lang="en-US" b="1" dirty="0" smtClean="0"/>
-              <a:t>Full </a:t>
-            </a:r>
-            <a:r>
-              <a:rPr lang="en-US" b="1" dirty="0" smtClean="0"/>
-              <a:t>Optimize for</a:t>
+              <a:t>Full Optimize for</a:t>
             </a:r>
           </a:p>
           <a:p>
@@ -3443,11 +3730,7 @@
             </a:r>
             <a:r>
               <a:rPr lang="en-US" dirty="0" smtClean="0"/>
-              <a:t> </a:t>
-            </a:r>
-            <a:r>
-              <a:rPr lang="en-US" dirty="0" smtClean="0"/>
-              <a:t>Network</a:t>
+              <a:t> Network</a:t>
             </a:r>
           </a:p>
           <a:p>
@@ -3509,7 +3792,7 @@
         </p:blipFill>
         <p:spPr bwMode="auto">
           <a:xfrm>
-            <a:off x="3429000" y="3657600"/>
+            <a:off x="3429000" y="3581400"/>
             <a:ext cx="815822" cy="457200"/>
           </a:xfrm>
           <a:prstGeom prst="rect">
@@ -3563,7 +3846,6 @@
               <a:rPr lang="en-US" dirty="0" smtClean="0"/>
               <a:t>Tunnel Server</a:t>
             </a:r>
-            <a:endParaRPr lang="en-US" dirty="0" smtClean="0"/>
           </a:p>
         </p:txBody>
       </p:sp>
@@ -3751,7 +4033,7 @@
             </a:pPr>
             <a:r>
               <a:rPr lang="en-US" b="1" dirty="0" smtClean="0"/>
-              <a:t>Tunnel For Anything</a:t>
+              <a:t>Tunnel To Anything</a:t>
             </a:r>
           </a:p>
           <a:p>
@@ -4248,6 +4530,1094 @@
       </p:par>
     </p:tnLst>
   </p:timing>
+</p:sld>
+</file>
+
+<file path=ppt/slides/slide3.xml><?xml version="1.0" encoding="utf-8"?>
+<p:sld xmlns:a="http://schemas.openxmlformats.org/drawingml/2006/main" xmlns:r="http://schemas.openxmlformats.org/officeDocument/2006/relationships" xmlns:p="http://schemas.openxmlformats.org/presentationml/2006/main">
+  <p:cSld>
+    <p:spTree>
+      <p:nvGrpSpPr>
+        <p:cNvPr id="1" name=""/>
+        <p:cNvGrpSpPr/>
+        <p:nvPr/>
+      </p:nvGrpSpPr>
+      <p:grpSpPr>
+        <a:xfrm>
+          <a:off x="0" y="0"/>
+          <a:ext cx="0" cy="0"/>
+          <a:chOff x="0" y="0"/>
+          <a:chExt cx="0" cy="0"/>
+        </a:xfrm>
+      </p:grpSpPr>
+      <p:sp>
+        <p:nvSpPr>
+          <p:cNvPr id="2" name="Title 1"/>
+          <p:cNvSpPr>
+            <a:spLocks noGrp="1"/>
+          </p:cNvSpPr>
+          <p:nvPr>
+            <p:ph type="title"/>
+          </p:nvPr>
+        </p:nvSpPr>
+        <p:spPr/>
+        <p:txBody>
+          <a:bodyPr/>
+          <a:lstStyle/>
+          <a:p>
+            <a:pPr algn="l"/>
+            <a:r>
+              <a:rPr lang="en-US" dirty="0"/>
+              <a:t>C</a:t>
+            </a:r>
+            <a:r>
+              <a:rPr lang="en-US" dirty="0" smtClean="0"/>
+              <a:t>ompetitiveness</a:t>
+            </a:r>
+            <a:endParaRPr lang="en-US" dirty="0"/>
+          </a:p>
+        </p:txBody>
+      </p:sp>
+      <p:sp>
+        <p:nvSpPr>
+          <p:cNvPr id="3" name="Content Placeholder 2"/>
+          <p:cNvSpPr>
+            <a:spLocks noGrp="1"/>
+          </p:cNvSpPr>
+          <p:nvPr>
+            <p:ph idx="1"/>
+          </p:nvPr>
+        </p:nvSpPr>
+        <p:spPr/>
+        <p:txBody>
+          <a:bodyPr/>
+          <a:lstStyle/>
+          <a:p>
+            <a:r>
+              <a:rPr lang="en-US" dirty="0" smtClean="0"/>
+              <a:t>Own your Data </a:t>
+            </a:r>
+          </a:p>
+          <a:p>
+            <a:r>
+              <a:rPr lang="en-US" dirty="0"/>
+              <a:t>P</a:t>
+            </a:r>
+            <a:r>
+              <a:rPr lang="en-US" dirty="0" smtClean="0"/>
+              <a:t>ossibility of multi engine</a:t>
+            </a:r>
+          </a:p>
+          <a:p>
+            <a:r>
+              <a:rPr lang="en-US" dirty="0" smtClean="0"/>
+              <a:t>Integration your current system easily</a:t>
+            </a:r>
+          </a:p>
+          <a:p>
+            <a:r>
+              <a:rPr lang="en-US" dirty="0" smtClean="0"/>
+              <a:t>Configurable metrics data point</a:t>
+            </a:r>
+          </a:p>
+          <a:p>
+            <a:r>
+              <a:rPr lang="en-US" dirty="0" smtClean="0"/>
+              <a:t>Easy Usage with PaaS</a:t>
+            </a:r>
+          </a:p>
+          <a:p>
+            <a:r>
+              <a:rPr lang="en-US" dirty="0" smtClean="0"/>
+              <a:t>Optimize Better Client Lib, Data tunnel</a:t>
+            </a:r>
+          </a:p>
+          <a:p>
+            <a:r>
+              <a:rPr lang="en-US" dirty="0" smtClean="0"/>
+              <a:t>Better integration with MBaaS</a:t>
+            </a:r>
+            <a:endParaRPr lang="en-US" dirty="0"/>
+          </a:p>
+        </p:txBody>
+      </p:sp>
+    </p:spTree>
+  </p:cSld>
+  <p:clrMapOvr>
+    <a:masterClrMapping/>
+  </p:clrMapOvr>
+</p:sld>
+</file>
+
+<file path=ppt/slides/slide4.xml><?xml version="1.0" encoding="utf-8"?>
+<p:sld xmlns:a="http://schemas.openxmlformats.org/drawingml/2006/main" xmlns:r="http://schemas.openxmlformats.org/officeDocument/2006/relationships" xmlns:p="http://schemas.openxmlformats.org/presentationml/2006/main">
+  <p:cSld>
+    <p:spTree>
+      <p:nvGrpSpPr>
+        <p:cNvPr id="1" name=""/>
+        <p:cNvGrpSpPr/>
+        <p:nvPr/>
+      </p:nvGrpSpPr>
+      <p:grpSpPr>
+        <a:xfrm>
+          <a:off x="0" y="0"/>
+          <a:ext cx="0" cy="0"/>
+          <a:chOff x="0" y="0"/>
+          <a:chExt cx="0" cy="0"/>
+        </a:xfrm>
+      </p:grpSpPr>
+      <p:sp>
+        <p:nvSpPr>
+          <p:cNvPr id="2" name="Title 1"/>
+          <p:cNvSpPr>
+            <a:spLocks noGrp="1"/>
+          </p:cNvSpPr>
+          <p:nvPr>
+            <p:ph type="title"/>
+          </p:nvPr>
+        </p:nvSpPr>
+        <p:spPr/>
+        <p:txBody>
+          <a:bodyPr/>
+          <a:lstStyle/>
+          <a:p>
+            <a:pPr algn="l"/>
+            <a:r>
+              <a:rPr lang="en-US" dirty="0" smtClean="0"/>
+              <a:t>Use Case 1</a:t>
+            </a:r>
+            <a:endParaRPr lang="en-US" dirty="0"/>
+          </a:p>
+        </p:txBody>
+      </p:sp>
+      <p:sp>
+        <p:nvSpPr>
+          <p:cNvPr id="3" name="Content Placeholder 2"/>
+          <p:cNvSpPr>
+            <a:spLocks noGrp="1"/>
+          </p:cNvSpPr>
+          <p:nvPr>
+            <p:ph idx="1"/>
+          </p:nvPr>
+        </p:nvSpPr>
+        <p:spPr/>
+        <p:txBody>
+          <a:bodyPr>
+            <a:normAutofit fontScale="85000" lnSpcReduction="20000"/>
+          </a:bodyPr>
+          <a:lstStyle/>
+          <a:p>
+            <a:r>
+              <a:rPr lang="en-US" dirty="0" smtClean="0"/>
+              <a:t>User</a:t>
+            </a:r>
+          </a:p>
+          <a:p>
+            <a:pPr lvl="1"/>
+            <a:r>
+              <a:rPr lang="en-US" dirty="0" smtClean="0"/>
+              <a:t>Startup Small Company</a:t>
+            </a:r>
+          </a:p>
+          <a:p>
+            <a:r>
+              <a:rPr lang="en-US" dirty="0" smtClean="0"/>
+              <a:t>Problem</a:t>
+            </a:r>
+          </a:p>
+          <a:p>
+            <a:pPr lvl="1"/>
+            <a:r>
+              <a:rPr lang="en-US" dirty="0"/>
+              <a:t>No power, No money, No time</a:t>
+            </a:r>
+          </a:p>
+          <a:p>
+            <a:pPr lvl="1"/>
+            <a:r>
+              <a:rPr lang="en-US" dirty="0" smtClean="0"/>
+              <a:t>Simple Analysis tool is enough, Google Analysis</a:t>
+            </a:r>
+          </a:p>
+          <a:p>
+            <a:pPr lvl="1"/>
+            <a:r>
+              <a:rPr lang="en-US" dirty="0" smtClean="0"/>
+              <a:t>Data is value, do not want to loss it</a:t>
+            </a:r>
+          </a:p>
+          <a:p>
+            <a:r>
+              <a:rPr lang="en-US" dirty="0" smtClean="0"/>
+              <a:t>Solution</a:t>
+            </a:r>
+          </a:p>
+          <a:p>
+            <a:pPr lvl="1"/>
+            <a:r>
+              <a:rPr lang="en-US" dirty="0" smtClean="0"/>
+              <a:t>Metrics Mobile + PaaS + Google Analysis</a:t>
+            </a:r>
+          </a:p>
+          <a:p>
+            <a:pPr lvl="1"/>
+            <a:r>
+              <a:rPr lang="en-US" dirty="0" smtClean="0"/>
+              <a:t>Setup on PaaS in 5 minute</a:t>
+            </a:r>
+          </a:p>
+          <a:p>
+            <a:pPr lvl="1"/>
+            <a:r>
+              <a:rPr lang="en-US" dirty="0" smtClean="0"/>
+              <a:t>Support Android, IOS …</a:t>
+            </a:r>
+          </a:p>
+          <a:p>
+            <a:pPr lvl="1"/>
+            <a:r>
+              <a:rPr lang="en-US" dirty="0" smtClean="0"/>
+              <a:t>Basic security</a:t>
+            </a:r>
+          </a:p>
+          <a:p>
+            <a:endParaRPr lang="en-US" dirty="0" smtClean="0"/>
+          </a:p>
+          <a:p>
+            <a:endParaRPr lang="en-US" dirty="0"/>
+          </a:p>
+        </p:txBody>
+      </p:sp>
+    </p:spTree>
+  </p:cSld>
+  <p:clrMapOvr>
+    <a:masterClrMapping/>
+  </p:clrMapOvr>
+</p:sld>
+</file>
+
+<file path=ppt/slides/slide5.xml><?xml version="1.0" encoding="utf-8"?>
+<p:sld xmlns:a="http://schemas.openxmlformats.org/drawingml/2006/main" xmlns:r="http://schemas.openxmlformats.org/officeDocument/2006/relationships" xmlns:p="http://schemas.openxmlformats.org/presentationml/2006/main">
+  <p:cSld>
+    <p:spTree>
+      <p:nvGrpSpPr>
+        <p:cNvPr id="1" name=""/>
+        <p:cNvGrpSpPr/>
+        <p:nvPr/>
+      </p:nvGrpSpPr>
+      <p:grpSpPr>
+        <a:xfrm>
+          <a:off x="0" y="0"/>
+          <a:ext cx="0" cy="0"/>
+          <a:chOff x="0" y="0"/>
+          <a:chExt cx="0" cy="0"/>
+        </a:xfrm>
+      </p:grpSpPr>
+      <p:sp>
+        <p:nvSpPr>
+          <p:cNvPr id="2" name="Title 1"/>
+          <p:cNvSpPr>
+            <a:spLocks noGrp="1"/>
+          </p:cNvSpPr>
+          <p:nvPr>
+            <p:ph type="title"/>
+          </p:nvPr>
+        </p:nvSpPr>
+        <p:spPr/>
+        <p:txBody>
+          <a:bodyPr/>
+          <a:lstStyle/>
+          <a:p>
+            <a:pPr algn="l"/>
+            <a:r>
+              <a:rPr lang="en-US" dirty="0" smtClean="0"/>
+              <a:t>Use Case 2</a:t>
+            </a:r>
+            <a:endParaRPr lang="en-US" dirty="0"/>
+          </a:p>
+        </p:txBody>
+      </p:sp>
+      <p:sp>
+        <p:nvSpPr>
+          <p:cNvPr id="3" name="Content Placeholder 2"/>
+          <p:cNvSpPr>
+            <a:spLocks noGrp="1"/>
+          </p:cNvSpPr>
+          <p:nvPr>
+            <p:ph idx="1"/>
+          </p:nvPr>
+        </p:nvSpPr>
+        <p:spPr/>
+        <p:txBody>
+          <a:bodyPr>
+            <a:normAutofit fontScale="85000" lnSpcReduction="20000"/>
+          </a:bodyPr>
+          <a:lstStyle/>
+          <a:p>
+            <a:r>
+              <a:rPr lang="en-US" dirty="0" smtClean="0"/>
+              <a:t>User</a:t>
+            </a:r>
+          </a:p>
+          <a:p>
+            <a:pPr lvl="1"/>
+            <a:r>
+              <a:rPr lang="en-US" dirty="0" smtClean="0"/>
+              <a:t>Startup Company</a:t>
+            </a:r>
+          </a:p>
+          <a:p>
+            <a:r>
+              <a:rPr lang="en-US" dirty="0" smtClean="0"/>
+              <a:t>Problem</a:t>
+            </a:r>
+          </a:p>
+          <a:p>
+            <a:pPr lvl="1"/>
+            <a:r>
+              <a:rPr lang="en-US" dirty="0"/>
+              <a:t>No power, No money, </a:t>
+            </a:r>
+            <a:r>
+              <a:rPr lang="en-US" dirty="0" smtClean="0"/>
+              <a:t>Little time</a:t>
+            </a:r>
+            <a:endParaRPr lang="en-US" dirty="0"/>
+          </a:p>
+          <a:p>
+            <a:pPr lvl="1"/>
+            <a:r>
+              <a:rPr lang="en-US" dirty="0" smtClean="0"/>
+              <a:t>Simple Analysis tool is not enough</a:t>
+            </a:r>
+          </a:p>
+          <a:p>
+            <a:pPr lvl="2"/>
+            <a:r>
+              <a:rPr lang="en-US" dirty="0" smtClean="0"/>
+              <a:t>multi Cloud Analysis service, but need to install multi SDK</a:t>
+            </a:r>
+          </a:p>
+          <a:p>
+            <a:pPr lvl="1"/>
+            <a:r>
+              <a:rPr lang="en-US" dirty="0" smtClean="0"/>
+              <a:t>Global Service</a:t>
+            </a:r>
+          </a:p>
+          <a:p>
+            <a:pPr lvl="1"/>
+            <a:r>
+              <a:rPr lang="en-US" dirty="0" smtClean="0"/>
+              <a:t>Data is value, do not want to loss it</a:t>
+            </a:r>
+          </a:p>
+          <a:p>
+            <a:r>
+              <a:rPr lang="en-US" dirty="0" smtClean="0"/>
+              <a:t>Solution</a:t>
+            </a:r>
+          </a:p>
+          <a:p>
+            <a:pPr lvl="1"/>
+            <a:r>
+              <a:rPr lang="en-US" dirty="0" smtClean="0"/>
+              <a:t>Metrics Mobile + PaaS + Multi Analysis </a:t>
+            </a:r>
+            <a:r>
+              <a:rPr lang="en-US" dirty="0"/>
+              <a:t>S</a:t>
+            </a:r>
+            <a:r>
+              <a:rPr lang="en-US" dirty="0" smtClean="0"/>
+              <a:t>ervice</a:t>
+            </a:r>
+          </a:p>
+          <a:p>
+            <a:pPr lvl="1"/>
+            <a:r>
+              <a:rPr lang="en-US" dirty="0" smtClean="0"/>
+              <a:t>Easy config GUI for multi backend</a:t>
+            </a:r>
+          </a:p>
+          <a:p>
+            <a:pPr lvl="1"/>
+            <a:r>
+              <a:rPr lang="en-US" dirty="0" smtClean="0"/>
+              <a:t>Support  cross DS (Using API to configure multi DS)</a:t>
+            </a:r>
+          </a:p>
+          <a:p>
+            <a:endParaRPr lang="en-US" dirty="0" smtClean="0"/>
+          </a:p>
+          <a:p>
+            <a:endParaRPr lang="en-US" dirty="0"/>
+          </a:p>
+        </p:txBody>
+      </p:sp>
+    </p:spTree>
+  </p:cSld>
+  <p:clrMapOvr>
+    <a:masterClrMapping/>
+  </p:clrMapOvr>
+</p:sld>
+</file>
+
+<file path=ppt/slides/slide6.xml><?xml version="1.0" encoding="utf-8"?>
+<p:sld xmlns:a="http://schemas.openxmlformats.org/drawingml/2006/main" xmlns:r="http://schemas.openxmlformats.org/officeDocument/2006/relationships" xmlns:p="http://schemas.openxmlformats.org/presentationml/2006/main">
+  <p:cSld>
+    <p:spTree>
+      <p:nvGrpSpPr>
+        <p:cNvPr id="1" name=""/>
+        <p:cNvGrpSpPr/>
+        <p:nvPr/>
+      </p:nvGrpSpPr>
+      <p:grpSpPr>
+        <a:xfrm>
+          <a:off x="0" y="0"/>
+          <a:ext cx="0" cy="0"/>
+          <a:chOff x="0" y="0"/>
+          <a:chExt cx="0" cy="0"/>
+        </a:xfrm>
+      </p:grpSpPr>
+      <p:sp>
+        <p:nvSpPr>
+          <p:cNvPr id="2" name="Title 1"/>
+          <p:cNvSpPr>
+            <a:spLocks noGrp="1"/>
+          </p:cNvSpPr>
+          <p:nvPr>
+            <p:ph type="title"/>
+          </p:nvPr>
+        </p:nvSpPr>
+        <p:spPr/>
+        <p:txBody>
+          <a:bodyPr/>
+          <a:lstStyle/>
+          <a:p>
+            <a:pPr algn="l"/>
+            <a:r>
+              <a:rPr lang="en-US" dirty="0" smtClean="0"/>
+              <a:t>Use Case 3</a:t>
+            </a:r>
+            <a:endParaRPr lang="en-US" dirty="0"/>
+          </a:p>
+        </p:txBody>
+      </p:sp>
+      <p:sp>
+        <p:nvSpPr>
+          <p:cNvPr id="3" name="Content Placeholder 2"/>
+          <p:cNvSpPr>
+            <a:spLocks noGrp="1"/>
+          </p:cNvSpPr>
+          <p:nvPr>
+            <p:ph idx="1"/>
+          </p:nvPr>
+        </p:nvSpPr>
+        <p:spPr/>
+        <p:txBody>
+          <a:bodyPr>
+            <a:normAutofit fontScale="70000" lnSpcReduction="20000"/>
+          </a:bodyPr>
+          <a:lstStyle/>
+          <a:p>
+            <a:r>
+              <a:rPr lang="en-US" dirty="0" smtClean="0"/>
+              <a:t>User</a:t>
+            </a:r>
+          </a:p>
+          <a:p>
+            <a:pPr lvl="1"/>
+            <a:r>
+              <a:rPr lang="en-US" dirty="0" smtClean="0"/>
+              <a:t>Middle Company</a:t>
+            </a:r>
+          </a:p>
+          <a:p>
+            <a:r>
+              <a:rPr lang="en-US" dirty="0" smtClean="0"/>
+              <a:t>Problem</a:t>
+            </a:r>
+          </a:p>
+          <a:p>
+            <a:pPr lvl="1"/>
+            <a:r>
+              <a:rPr lang="en-US" dirty="0" smtClean="0"/>
+              <a:t>Little power</a:t>
+            </a:r>
+            <a:r>
+              <a:rPr lang="en-US" dirty="0"/>
+              <a:t>, </a:t>
+            </a:r>
+            <a:r>
+              <a:rPr lang="en-US" dirty="0" smtClean="0"/>
+              <a:t>Little money</a:t>
+            </a:r>
+            <a:r>
+              <a:rPr lang="en-US" dirty="0"/>
+              <a:t>, </a:t>
+            </a:r>
+            <a:r>
+              <a:rPr lang="en-US" dirty="0" smtClean="0"/>
+              <a:t>Little time</a:t>
+            </a:r>
+          </a:p>
+          <a:p>
+            <a:pPr lvl="1"/>
+            <a:r>
+              <a:rPr lang="en-US" dirty="0" smtClean="0"/>
+              <a:t>Host machine in DS or IaaS</a:t>
+            </a:r>
+          </a:p>
+          <a:p>
+            <a:pPr lvl="1"/>
+            <a:r>
+              <a:rPr lang="en-US" dirty="0" smtClean="0"/>
+              <a:t>Need elasticity and no single point fail</a:t>
+            </a:r>
+          </a:p>
+          <a:p>
+            <a:pPr lvl="1"/>
+            <a:r>
+              <a:rPr lang="en-US" dirty="0" smtClean="0"/>
+              <a:t>Want to using Data Tool like Ganglia, Database</a:t>
+            </a:r>
+          </a:p>
+          <a:p>
+            <a:pPr lvl="1"/>
+            <a:r>
+              <a:rPr lang="en-US" dirty="0" smtClean="0"/>
+              <a:t>Also want to using multi Cloud  Analysis Service</a:t>
+            </a:r>
+          </a:p>
+          <a:p>
+            <a:pPr lvl="1"/>
+            <a:r>
+              <a:rPr lang="en-US" dirty="0" smtClean="0"/>
+              <a:t>Data is value, do not want to loss it</a:t>
+            </a:r>
+          </a:p>
+          <a:p>
+            <a:r>
+              <a:rPr lang="en-US" dirty="0" smtClean="0"/>
+              <a:t>Solution</a:t>
+            </a:r>
+          </a:p>
+          <a:p>
+            <a:pPr lvl="1"/>
+            <a:r>
+              <a:rPr lang="en-US" dirty="0" smtClean="0"/>
+              <a:t>Load Balance + Metrics Mobile + Machine + Analysis Tool + Multi Analysis Service</a:t>
+            </a:r>
+          </a:p>
+          <a:p>
+            <a:pPr lvl="1"/>
+            <a:r>
+              <a:rPr lang="en-US" dirty="0" smtClean="0"/>
+              <a:t>Setup on machine/IaaS in 20 min</a:t>
+            </a:r>
+          </a:p>
+          <a:p>
+            <a:pPr lvl="1"/>
+            <a:r>
+              <a:rPr lang="en-US" dirty="0" smtClean="0"/>
+              <a:t>Scalable</a:t>
+            </a:r>
+          </a:p>
+          <a:p>
+            <a:endParaRPr lang="en-US" dirty="0" smtClean="0"/>
+          </a:p>
+          <a:p>
+            <a:endParaRPr lang="en-US" dirty="0"/>
+          </a:p>
+        </p:txBody>
+      </p:sp>
+    </p:spTree>
+  </p:cSld>
+  <p:clrMapOvr>
+    <a:masterClrMapping/>
+  </p:clrMapOvr>
+</p:sld>
+</file>
+
+<file path=ppt/slides/slide7.xml><?xml version="1.0" encoding="utf-8"?>
+<p:sld xmlns:a="http://schemas.openxmlformats.org/drawingml/2006/main" xmlns:r="http://schemas.openxmlformats.org/officeDocument/2006/relationships" xmlns:p="http://schemas.openxmlformats.org/presentationml/2006/main">
+  <p:cSld>
+    <p:spTree>
+      <p:nvGrpSpPr>
+        <p:cNvPr id="1" name=""/>
+        <p:cNvGrpSpPr/>
+        <p:nvPr/>
+      </p:nvGrpSpPr>
+      <p:grpSpPr>
+        <a:xfrm>
+          <a:off x="0" y="0"/>
+          <a:ext cx="0" cy="0"/>
+          <a:chOff x="0" y="0"/>
+          <a:chExt cx="0" cy="0"/>
+        </a:xfrm>
+      </p:grpSpPr>
+      <p:sp>
+        <p:nvSpPr>
+          <p:cNvPr id="2" name="Title 1"/>
+          <p:cNvSpPr>
+            <a:spLocks noGrp="1"/>
+          </p:cNvSpPr>
+          <p:nvPr>
+            <p:ph type="title"/>
+          </p:nvPr>
+        </p:nvSpPr>
+        <p:spPr/>
+        <p:txBody>
+          <a:bodyPr/>
+          <a:lstStyle/>
+          <a:p>
+            <a:pPr algn="l"/>
+            <a:r>
+              <a:rPr lang="en-US" dirty="0" smtClean="0"/>
+              <a:t>Use Case 4</a:t>
+            </a:r>
+            <a:endParaRPr lang="en-US" dirty="0"/>
+          </a:p>
+        </p:txBody>
+      </p:sp>
+      <p:sp>
+        <p:nvSpPr>
+          <p:cNvPr id="3" name="Content Placeholder 2"/>
+          <p:cNvSpPr>
+            <a:spLocks noGrp="1"/>
+          </p:cNvSpPr>
+          <p:nvPr>
+            <p:ph idx="1"/>
+          </p:nvPr>
+        </p:nvSpPr>
+        <p:spPr/>
+        <p:txBody>
+          <a:bodyPr>
+            <a:normAutofit fontScale="77500" lnSpcReduction="20000"/>
+          </a:bodyPr>
+          <a:lstStyle/>
+          <a:p>
+            <a:r>
+              <a:rPr lang="en-US" dirty="0" smtClean="0"/>
+              <a:t>User</a:t>
+            </a:r>
+          </a:p>
+          <a:p>
+            <a:pPr lvl="1"/>
+            <a:r>
+              <a:rPr lang="en-US" dirty="0" smtClean="0"/>
+              <a:t> Big Company</a:t>
+            </a:r>
+          </a:p>
+          <a:p>
+            <a:r>
+              <a:rPr lang="en-US" dirty="0" smtClean="0"/>
+              <a:t>Problem</a:t>
+            </a:r>
+          </a:p>
+          <a:p>
+            <a:pPr lvl="1"/>
+            <a:r>
+              <a:rPr lang="en-US" dirty="0" smtClean="0"/>
+              <a:t>Lot power</a:t>
+            </a:r>
+            <a:r>
+              <a:rPr lang="en-US" dirty="0"/>
+              <a:t>, </a:t>
+            </a:r>
+            <a:r>
+              <a:rPr lang="en-US" dirty="0" smtClean="0"/>
+              <a:t>Lot money</a:t>
+            </a:r>
+            <a:r>
+              <a:rPr lang="en-US" dirty="0"/>
+              <a:t>, </a:t>
+            </a:r>
+            <a:r>
+              <a:rPr lang="en-US" dirty="0" smtClean="0"/>
+              <a:t>Lot time</a:t>
+            </a:r>
+          </a:p>
+          <a:p>
+            <a:pPr lvl="1"/>
+            <a:r>
+              <a:rPr lang="en-US" dirty="0" smtClean="0"/>
+              <a:t>Host machine in DS, or self managed PaaS , IaaS</a:t>
+            </a:r>
+          </a:p>
+          <a:p>
+            <a:pPr lvl="1"/>
+            <a:r>
+              <a:rPr lang="en-US" dirty="0" smtClean="0"/>
+              <a:t>Custom Data analyses tool, Data warehouse…</a:t>
+            </a:r>
+          </a:p>
+          <a:p>
+            <a:pPr lvl="1"/>
+            <a:r>
+              <a:rPr lang="en-US" dirty="0" smtClean="0"/>
+              <a:t>Data is value, never leak to competitor , do not use public cloud service</a:t>
+            </a:r>
+          </a:p>
+          <a:p>
+            <a:r>
+              <a:rPr lang="en-US" dirty="0" smtClean="0"/>
+              <a:t>Solution</a:t>
+            </a:r>
+          </a:p>
+          <a:p>
+            <a:pPr lvl="1"/>
+            <a:r>
+              <a:rPr lang="en-US" dirty="0" smtClean="0"/>
+              <a:t>Metrics Mobile + ……</a:t>
+            </a:r>
+          </a:p>
+          <a:p>
+            <a:pPr lvl="1"/>
+            <a:r>
+              <a:rPr lang="en-US" dirty="0" smtClean="0"/>
+              <a:t>Full customizable,</a:t>
+            </a:r>
+          </a:p>
+          <a:p>
+            <a:pPr lvl="2"/>
+            <a:r>
+              <a:rPr lang="en-US" dirty="0" smtClean="0"/>
+              <a:t>Client can report to other server</a:t>
+            </a:r>
+          </a:p>
+          <a:p>
+            <a:pPr lvl="2"/>
+            <a:r>
+              <a:rPr lang="en-US" dirty="0" smtClean="0"/>
+              <a:t>Server can point to other backend with easy plug-in</a:t>
+            </a:r>
+          </a:p>
+          <a:p>
+            <a:endParaRPr lang="en-US" dirty="0" smtClean="0"/>
+          </a:p>
+          <a:p>
+            <a:endParaRPr lang="en-US" dirty="0"/>
+          </a:p>
+        </p:txBody>
+      </p:sp>
+    </p:spTree>
+  </p:cSld>
+  <p:clrMapOvr>
+    <a:masterClrMapping/>
+  </p:clrMapOvr>
+</p:sld>
+</file>
+
+<file path=ppt/slides/slide8.xml><?xml version="1.0" encoding="utf-8"?>
+<p:sld xmlns:a="http://schemas.openxmlformats.org/drawingml/2006/main" xmlns:r="http://schemas.openxmlformats.org/officeDocument/2006/relationships" xmlns:p="http://schemas.openxmlformats.org/presentationml/2006/main">
+  <p:cSld>
+    <p:spTree>
+      <p:nvGrpSpPr>
+        <p:cNvPr id="1" name=""/>
+        <p:cNvGrpSpPr/>
+        <p:nvPr/>
+      </p:nvGrpSpPr>
+      <p:grpSpPr>
+        <a:xfrm>
+          <a:off x="0" y="0"/>
+          <a:ext cx="0" cy="0"/>
+          <a:chOff x="0" y="0"/>
+          <a:chExt cx="0" cy="0"/>
+        </a:xfrm>
+      </p:grpSpPr>
+      <p:sp>
+        <p:nvSpPr>
+          <p:cNvPr id="2" name="Title 1"/>
+          <p:cNvSpPr>
+            <a:spLocks noGrp="1"/>
+          </p:cNvSpPr>
+          <p:nvPr>
+            <p:ph type="title"/>
+          </p:nvPr>
+        </p:nvSpPr>
+        <p:spPr/>
+        <p:txBody>
+          <a:bodyPr/>
+          <a:lstStyle/>
+          <a:p>
+            <a:r>
+              <a:rPr lang="en-US" dirty="0" smtClean="0"/>
+              <a:t>Road Map</a:t>
+            </a:r>
+            <a:endParaRPr lang="en-US" dirty="0"/>
+          </a:p>
+        </p:txBody>
+      </p:sp>
+      <p:sp>
+        <p:nvSpPr>
+          <p:cNvPr id="3" name="Content Placeholder 2"/>
+          <p:cNvSpPr>
+            <a:spLocks noGrp="1"/>
+          </p:cNvSpPr>
+          <p:nvPr>
+            <p:ph idx="1"/>
+          </p:nvPr>
+        </p:nvSpPr>
+        <p:spPr/>
+        <p:txBody>
+          <a:bodyPr>
+            <a:normAutofit/>
+          </a:bodyPr>
+          <a:lstStyle/>
+          <a:p>
+            <a:r>
+              <a:rPr lang="en-US" dirty="0" smtClean="0"/>
+              <a:t>1.0.0</a:t>
+            </a:r>
+          </a:p>
+          <a:p>
+            <a:pPr lvl="1"/>
+            <a:r>
+              <a:rPr lang="en-US" dirty="0" smtClean="0"/>
+              <a:t>Main feature + Doc</a:t>
+            </a:r>
+          </a:p>
+          <a:p>
+            <a:r>
+              <a:rPr lang="en-US" dirty="0" smtClean="0"/>
+              <a:t>1.2.0</a:t>
+            </a:r>
+          </a:p>
+          <a:p>
+            <a:pPr lvl="1"/>
+            <a:r>
+              <a:rPr lang="en-US" dirty="0" smtClean="0"/>
+              <a:t>Other feature + Quality</a:t>
+            </a:r>
+          </a:p>
+          <a:p>
+            <a:r>
+              <a:rPr lang="en-US" dirty="0" smtClean="0"/>
+              <a:t>2.0.0</a:t>
+            </a:r>
+          </a:p>
+          <a:p>
+            <a:pPr lvl="1"/>
+            <a:r>
+              <a:rPr lang="en-US" dirty="0" smtClean="0"/>
+              <a:t>Optional plug-in </a:t>
+            </a:r>
+            <a:r>
+              <a:rPr lang="en-US" dirty="0" smtClean="0"/>
+              <a:t>+ Web </a:t>
+            </a:r>
+            <a:r>
+              <a:rPr lang="en-US" dirty="0" smtClean="0"/>
+              <a:t>Site + </a:t>
+            </a:r>
+            <a:r>
+              <a:rPr lang="en-US" dirty="0" smtClean="0"/>
+              <a:t>Stable</a:t>
+            </a:r>
+          </a:p>
+          <a:p>
+            <a:r>
+              <a:rPr lang="en-US" dirty="0" smtClean="0"/>
+              <a:t>2.2.0</a:t>
+            </a:r>
+          </a:p>
+          <a:p>
+            <a:pPr lvl="1"/>
+            <a:r>
+              <a:rPr lang="en-US" dirty="0" smtClean="0"/>
+              <a:t>Publish </a:t>
+            </a:r>
+            <a:r>
+              <a:rPr lang="en-US" dirty="0" smtClean="0"/>
+              <a:t>+ </a:t>
+            </a:r>
+            <a:r>
+              <a:rPr lang="en-US" dirty="0" smtClean="0"/>
+              <a:t>Support community + </a:t>
+            </a:r>
+            <a:r>
+              <a:rPr lang="en-US" dirty="0" smtClean="0"/>
+              <a:t>Cooperation</a:t>
+            </a:r>
+          </a:p>
+          <a:p>
+            <a:endParaRPr lang="en-US" dirty="0"/>
+          </a:p>
+        </p:txBody>
+      </p:sp>
+    </p:spTree>
+  </p:cSld>
+  <p:clrMapOvr>
+    <a:masterClrMapping/>
+  </p:clrMapOvr>
+</p:sld>
+</file>
+
+<file path=ppt/slides/slide9.xml><?xml version="1.0" encoding="utf-8"?>
+<p:sld xmlns:a="http://schemas.openxmlformats.org/drawingml/2006/main" xmlns:r="http://schemas.openxmlformats.org/officeDocument/2006/relationships" xmlns:p="http://schemas.openxmlformats.org/presentationml/2006/main">
+  <p:cSld>
+    <p:spTree>
+      <p:nvGrpSpPr>
+        <p:cNvPr id="1" name=""/>
+        <p:cNvGrpSpPr/>
+        <p:nvPr/>
+      </p:nvGrpSpPr>
+      <p:grpSpPr>
+        <a:xfrm>
+          <a:off x="0" y="0"/>
+          <a:ext cx="0" cy="0"/>
+          <a:chOff x="0" y="0"/>
+          <a:chExt cx="0" cy="0"/>
+        </a:xfrm>
+      </p:grpSpPr>
+      <p:sp>
+        <p:nvSpPr>
+          <p:cNvPr id="2" name="Title 1"/>
+          <p:cNvSpPr>
+            <a:spLocks noGrp="1"/>
+          </p:cNvSpPr>
+          <p:nvPr>
+            <p:ph type="title"/>
+          </p:nvPr>
+        </p:nvSpPr>
+        <p:spPr/>
+        <p:txBody>
+          <a:bodyPr/>
+          <a:lstStyle/>
+          <a:p>
+            <a:pPr algn="l"/>
+            <a:r>
+              <a:rPr lang="en-US" dirty="0" smtClean="0"/>
+              <a:t>1.0.0</a:t>
+            </a:r>
+            <a:endParaRPr lang="en-US" dirty="0"/>
+          </a:p>
+        </p:txBody>
+      </p:sp>
+      <p:sp>
+        <p:nvSpPr>
+          <p:cNvPr id="3" name="Content Placeholder 2"/>
+          <p:cNvSpPr>
+            <a:spLocks noGrp="1"/>
+          </p:cNvSpPr>
+          <p:nvPr>
+            <p:ph idx="1"/>
+          </p:nvPr>
+        </p:nvSpPr>
+        <p:spPr/>
+        <p:txBody>
+          <a:bodyPr>
+            <a:normAutofit fontScale="70000" lnSpcReduction="20000"/>
+          </a:bodyPr>
+          <a:lstStyle/>
+          <a:p>
+            <a:r>
+              <a:rPr lang="en-US" dirty="0" smtClean="0"/>
+              <a:t>Core Design and Document</a:t>
+            </a:r>
+          </a:p>
+          <a:p>
+            <a:pPr lvl="1"/>
+            <a:r>
+              <a:rPr lang="en-US" dirty="0" smtClean="0"/>
+              <a:t>Mobile Lib Interface</a:t>
+            </a:r>
+          </a:p>
+          <a:p>
+            <a:pPr lvl="1"/>
+            <a:r>
+              <a:rPr lang="en-US" dirty="0" smtClean="0"/>
+              <a:t>Server backend Interface</a:t>
+            </a:r>
+          </a:p>
+          <a:p>
+            <a:pPr lvl="1"/>
+            <a:r>
+              <a:rPr lang="en-US" dirty="0" smtClean="0"/>
+              <a:t>Tunnel </a:t>
+            </a:r>
+            <a:r>
+              <a:rPr lang="en-US" dirty="0" smtClean="0"/>
+              <a:t>protocol</a:t>
+            </a:r>
+          </a:p>
+          <a:p>
+            <a:pPr lvl="1"/>
+            <a:r>
+              <a:rPr lang="en-US" dirty="0" smtClean="0"/>
+              <a:t>Server API</a:t>
+            </a:r>
+          </a:p>
+          <a:p>
+            <a:r>
+              <a:rPr lang="en-US" dirty="0" smtClean="0"/>
+              <a:t>Implement</a:t>
+            </a:r>
+          </a:p>
+          <a:p>
+            <a:pPr lvl="1"/>
+            <a:r>
+              <a:rPr lang="en-US" dirty="0" smtClean="0"/>
+              <a:t>Android Client</a:t>
+            </a:r>
+          </a:p>
+          <a:p>
+            <a:pPr lvl="1"/>
+            <a:r>
+              <a:rPr lang="en-US" dirty="0" smtClean="0"/>
+              <a:t>Server</a:t>
+            </a:r>
+          </a:p>
+          <a:p>
+            <a:pPr lvl="1"/>
+            <a:r>
+              <a:rPr lang="en-US" dirty="0" smtClean="0"/>
+              <a:t>Backend Adapter</a:t>
+            </a:r>
+          </a:p>
+          <a:p>
+            <a:pPr lvl="2"/>
+            <a:r>
+              <a:rPr lang="en-US" dirty="0" smtClean="0"/>
+              <a:t>Graphite</a:t>
+            </a:r>
+          </a:p>
+          <a:p>
+            <a:pPr lvl="2"/>
+            <a:r>
+              <a:rPr lang="en-US" dirty="0" smtClean="0"/>
+              <a:t>Google Analysis</a:t>
+            </a:r>
+          </a:p>
+          <a:p>
+            <a:pPr lvl="2"/>
+            <a:r>
+              <a:rPr lang="en-US" dirty="0" smtClean="0"/>
+              <a:t>File/FTP</a:t>
+            </a:r>
+          </a:p>
+          <a:p>
+            <a:pPr lvl="2"/>
+            <a:r>
+              <a:rPr lang="en-US" dirty="0" smtClean="0"/>
+              <a:t>AMQP</a:t>
+            </a:r>
+          </a:p>
+          <a:p>
+            <a:r>
+              <a:rPr lang="en-US" dirty="0" smtClean="0"/>
+              <a:t>Begin Daily Build</a:t>
+            </a:r>
+          </a:p>
+        </p:txBody>
+      </p:sp>
+    </p:spTree>
+  </p:cSld>
+  <p:clrMapOvr>
+    <a:masterClrMapping/>
+  </p:clrMapOvr>
 </p:sld>
 </file>
 
